--- a/110122146 DINH MINH PHUONG.pptx
+++ b/110122146 DINH MINH PHUONG.pptx
@@ -44356,18 +44356,14 @@
         </p:nvSpPr>
         <p:spPr>
           <a:xfrm>
-            <a:off x="6531429" y="1045029"/>
-            <a:ext cx="5428343" cy="3497942"/>
+            <a:off x="6705599" y="1582057"/>
+            <a:ext cx="5152572" cy="5003799"/>
           </a:xfrm>
         </p:spPr>
         <p:txBody>
           <a:bodyPr/>
           <a:lstStyle/>
           <a:p>
-            <a:r>
-              <a:rPr lang="en-US"/>
-              <a:t> </a:t>
-            </a:r>
             <a:r>
               <a:rPr lang="en-US" sz="2000" smtClean="0"/>
               <a:t>1. </a:t>
@@ -44380,14 +44376,14 @@
               <a:rPr lang="en-US" sz="2000" i="1" smtClean="0"/>
             </a:br>
             <a:r>
-              <a:rPr lang="en-US" sz="2000" i="1" smtClean="0"/>
+              <a:rPr lang="en-US" sz="1400" i="1" smtClean="0"/>
               <a:t/>
             </a:r>
             <a:br>
-              <a:rPr lang="en-US" sz="2000" i="1" smtClean="0"/>
+              <a:rPr lang="en-US" sz="1400" i="1" smtClean="0"/>
             </a:br>
             <a:r>
-              <a:rPr lang="vi-VN" sz="1500" b="0" smtClean="0">
+              <a:rPr lang="vi-VN" sz="1400" b="0" smtClean="0">
                 <a:solidFill>
                   <a:schemeClr val="tx2">
                     <a:lumMod val="20000"/>
@@ -44396,10 +44392,10 @@
                 </a:solidFill>
                 <a:latin typeface="Arial" panose="020B0604020202020204" pitchFamily="34" charset="0"/>
               </a:rPr>
-              <a:t>Nghiện</a:t>
-            </a:r>
-            <a:r>
-              <a:rPr lang="vi-VN" sz="1500" b="0">
+              <a:t>Nghiện </a:t>
+            </a:r>
+            <a:r>
+              <a:rPr lang="vi-VN" sz="1400" smtClean="0">
                 <a:solidFill>
                   <a:schemeClr val="tx2">
                     <a:lumMod val="20000"/>
@@ -44408,10 +44404,10 @@
                 </a:solidFill>
                 <a:latin typeface="Arial" panose="020B0604020202020204" pitchFamily="34" charset="0"/>
               </a:rPr>
-              <a:t> </a:t>
-            </a:r>
-            <a:r>
-              <a:rPr lang="vi-VN" sz="1500">
+              <a:t>mạng xã hội</a:t>
+            </a:r>
+            <a:r>
+              <a:rPr lang="vi-VN" sz="1400" b="0" smtClean="0">
                 <a:solidFill>
                   <a:schemeClr val="tx2">
                     <a:lumMod val="20000"/>
@@ -44420,10 +44416,10 @@
                 </a:solidFill>
                 <a:latin typeface="Arial" panose="020B0604020202020204" pitchFamily="34" charset="0"/>
               </a:rPr>
-              <a:t>mạng xã hội</a:t>
-            </a:r>
-            <a:r>
-              <a:rPr lang="vi-VN" sz="1500" b="0">
+              <a:t> không chỉ khiến bạn dành ít thời gian cho người thật việc thật ở quanh mình, mà còn khiến họ buồn phiền khi bạn coi trọng bạn bè “ảo” hơn những gì ở trước mắt.</a:t>
+            </a:r>
+            <a:r>
+              <a:rPr lang="en-US" sz="1400" b="0" smtClean="0">
                 <a:solidFill>
                   <a:schemeClr val="tx2">
                     <a:lumMod val="20000"/>
@@ -44432,21 +44428,75 @@
                 </a:solidFill>
                 <a:latin typeface="Arial" panose="020B0604020202020204" pitchFamily="34" charset="0"/>
               </a:rPr>
-              <a:t> không chỉ khiến bạn dành ít thời gian cho người thật việc thật ở quanh mình, mà còn khiến họ buồn phiền khi bạn coi trọng bạn bè “ảo” hơn những gì ở trước mắt.</a:t>
-            </a:r>
-            <a:r>
-              <a:rPr lang="en-US" sz="1500">
+              <a:t/>
+            </a:r>
+            <a:br>
+              <a:rPr lang="en-US" sz="1400" b="0" smtClean="0">
                 <a:solidFill>
                   <a:schemeClr val="tx2">
                     <a:lumMod val="20000"/>
                     <a:lumOff val="80000"/>
                   </a:schemeClr>
                 </a:solidFill>
+                <a:latin typeface="Arial" panose="020B0604020202020204" pitchFamily="34" charset="0"/>
               </a:rPr>
+            </a:br>
+            <a:r>
+              <a:rPr lang="vi-VN" sz="1400" b="0" smtClean="0"/>
+              <a:t>Mạng xã hội nghiên cứu rất kỹ về hành vi người dùng, họ sẽ khiến người dùng sa vào bẫy. Cảm thấy dễ chịu và thoải mái khi cứ mãi lướt lướt trên bảng tin. Người dùng sẽ không thể kiểm soát được thời lượng sử dụng của mình dẫn đến việc sa đọa, tốn quá nhiều thời gian mà không hay biết.</a:t>
+            </a:r>
+            <a:br>
+              <a:rPr lang="vi-VN" sz="1400" b="0" smtClean="0"/>
+            </a:br>
+            <a:r>
+              <a:rPr lang="vi-VN" sz="1400" b="0" smtClean="0"/>
+              <a:t>Do vậy, khi sử dụng mạng xã hội trong những lúc rảnh rỗi, bạn hãy chọn chế độ hẹn giờ trong </a:t>
+            </a:r>
+            <a:r>
+              <a:rPr lang="vi-VN" sz="1400" b="0" smtClean="0">
+                <a:hlinkClick r:id="rId2"/>
+              </a:rPr>
+              <a:t>điện thoại</a:t>
+            </a:r>
+            <a:r>
+              <a:rPr lang="vi-VN" sz="1400" b="0" smtClean="0"/>
+              <a:t> để báo cho bạn thời lượng sử dụng hợp lí, tránh việc lãng phí thời gian quá nhiều.</a:t>
+            </a:r>
+            <a:r>
+              <a:rPr lang="en-US" sz="1400" b="0" smtClean="0"/>
               <a:t/>
             </a:r>
             <a:br>
-              <a:rPr lang="en-US" sz="1500">
+              <a:rPr lang="en-US" sz="1400" b="0" smtClean="0"/>
+            </a:br>
+            <a:r>
+              <a:rPr lang="en-US" sz="1400" b="0" smtClean="0"/>
+              <a:t/>
+            </a:r>
+            <a:br>
+              <a:rPr lang="en-US" sz="1400" b="0" smtClean="0"/>
+            </a:br>
+            <a:r>
+              <a:rPr lang="en-US" sz="2000" b="0" smtClean="0"/>
+              <a:t>2. </a:t>
+            </a:r>
+            <a:r>
+              <a:rPr lang="vi-VN" sz="1800" i="1" smtClean="0"/>
+              <a:t>Giảm </a:t>
+            </a:r>
+            <a:r>
+              <a:rPr lang="vi-VN" sz="1800" i="1"/>
+              <a:t>tương tác giữa người với người trực tiếp</a:t>
+            </a:r>
+            <a:r>
+              <a:rPr lang="vi-VN" sz="1800" b="0" i="1" smtClean="0"/>
+              <a:t/>
+            </a:r>
+            <a:br>
+              <a:rPr lang="vi-VN" sz="1800" b="0" i="1" smtClean="0"/>
+            </a:br>
+            <a:r>
+              <a:rPr lang="en-US" sz="1800" i="1" smtClean="0">
                 <a:solidFill>
                   <a:schemeClr val="tx2">
                     <a:lumMod val="20000"/>
@@ -44454,9 +44504,10 @@
                   </a:schemeClr>
                 </a:solidFill>
               </a:rPr>
-            </a:br>
-            <a:r>
-              <a:rPr lang="en-US" sz="1500" smtClean="0">
+              <a:t/>
+            </a:r>
+            <a:br>
+              <a:rPr lang="en-US" sz="1800" i="1" smtClean="0">
                 <a:solidFill>
                   <a:schemeClr val="tx2">
                     <a:lumMod val="20000"/>
@@ -44464,9 +44515,26 @@
                   </a:schemeClr>
                 </a:solidFill>
               </a:rPr>
+            </a:br>
+            <a:r>
+              <a:rPr lang="vi-VN" sz="1800" i="1" smtClean="0"/>
+              <a:t> </a:t>
+            </a:r>
+            <a:r>
+              <a:rPr lang="vi-VN" sz="1800" b="0" i="1" smtClean="0"/>
               <a:t/>
             </a:r>
             <a:br>
+              <a:rPr lang="vi-VN" sz="1800" b="0" i="1" smtClean="0"/>
+            </a:br>
+            <a:r>
+              <a:rPr lang="vi-VN" sz="1400" b="0" smtClean="0"/>
+              <a:t>Mạng xã hội thường tạo cảm giác cho người dùng bớt cô đơn bởi họ có một “người bạn vô hình” trong một không gian ảo. Tuy nhiên, trong những lúc họp hội, tụ tập bạn bè hoặc đang nói chuyện với mọi người trực tiếp thì không nên lướt mạng xã hội.</a:t>
+            </a:r>
+            <a:br>
+              <a:rPr lang="vi-VN" sz="1400" b="0" smtClean="0"/>
+            </a:br>
+            <a:r>
               <a:rPr lang="en-US" sz="1500" smtClean="0">
                 <a:solidFill>
                   <a:schemeClr val="tx2">
@@ -44475,8 +44543,9 @@
                   </a:schemeClr>
                 </a:solidFill>
               </a:rPr>
-            </a:br>
-            <a:r>
+              <a:t/>
+            </a:r>
+            <a:br>
               <a:rPr lang="en-US" sz="1500" smtClean="0">
                 <a:solidFill>
                   <a:schemeClr val="tx2">
@@ -44485,9 +44554,8 @@
                   </a:schemeClr>
                 </a:solidFill>
               </a:rPr>
-              <a:t/>
-            </a:r>
-            <a:br>
+            </a:br>
+            <a:r>
               <a:rPr lang="en-US" sz="1500" smtClean="0">
                 <a:solidFill>
                   <a:schemeClr val="tx2">
@@ -44496,13 +44564,24 @@
                   </a:schemeClr>
                 </a:solidFill>
               </a:rPr>
+              <a:t/>
+            </a:r>
+            <a:br>
+              <a:rPr lang="en-US" sz="1500" smtClean="0">
+                <a:solidFill>
+                  <a:schemeClr val="tx2">
+                    <a:lumMod val="20000"/>
+                    <a:lumOff val="80000"/>
+                  </a:schemeClr>
+                </a:solidFill>
+              </a:rPr>
             </a:br>
             <a:r>
-              <a:rPr lang="en-US" sz="1500"/>
+              <a:rPr lang="en-US" sz="1500" smtClean="0"/>
               <a:t/>
             </a:r>
             <a:br>
-              <a:rPr lang="en-US" sz="1500"/>
+              <a:rPr lang="en-US" sz="1500" smtClean="0"/>
             </a:br>
             <a:endParaRPr lang="ru-RU" sz="1500" dirty="0"/>
           </a:p>
@@ -44519,7 +44598,7 @@
           </p:nvPr>
         </p:nvPicPr>
         <p:blipFill>
-          <a:blip r:embed="rId2">
+          <a:blip r:embed="rId3">
             <a:extLst>
               <a:ext uri="{28A0092B-C50C-407E-A947-70E740481C1C}">
                 <a14:useLocalDpi xmlns:a14="http://schemas.microsoft.com/office/drawing/2010/main" val="0"/>
